--- a/SNACE/snace_27_11_25.pptx
+++ b/SNACE/snace_27_11_25.pptx
@@ -5,7 +5,7 @@
     <p:sldMasterId id="2147483678" r:id="rId1"/>
   </p:sldMasterIdLst>
   <p:notesMasterIdLst>
-    <p:notesMasterId r:id="rId28"/>
+    <p:notesMasterId r:id="rId29"/>
   </p:notesMasterIdLst>
   <p:sldIdLst>
     <p:sldId id="256" r:id="rId2"/>
@@ -32,8 +32,9 @@
     <p:sldId id="325" r:id="rId23"/>
     <p:sldId id="326" r:id="rId24"/>
     <p:sldId id="327" r:id="rId25"/>
-    <p:sldId id="329" r:id="rId26"/>
-    <p:sldId id="330" r:id="rId27"/>
+    <p:sldId id="331" r:id="rId26"/>
+    <p:sldId id="329" r:id="rId27"/>
+    <p:sldId id="330" r:id="rId28"/>
   </p:sldIdLst>
   <p:sldSz cx="9144000" cy="5143500" type="screen16x9"/>
   <p:notesSz cx="6858000" cy="9144000"/>
@@ -2829,6 +2830,133 @@
   <p:cSld>
     <p:spTree>
       <p:nvGrpSpPr>
+        <p:cNvPr id="1" name="Shape 641">
+          <a:extLst>
+            <a:ext uri="{FF2B5EF4-FFF2-40B4-BE49-F238E27FC236}">
+              <a16:creationId xmlns:a16="http://schemas.microsoft.com/office/drawing/2014/main" id="{91589C12-FFFB-26E4-8263-C5D6E52333F3}"/>
+            </a:ext>
+          </a:extLst>
+        </p:cNvPr>
+        <p:cNvGrpSpPr/>
+        <p:nvPr/>
+      </p:nvGrpSpPr>
+      <p:grpSpPr>
+        <a:xfrm>
+          <a:off x="0" y="0"/>
+          <a:ext cx="0" cy="0"/>
+          <a:chOff x="0" y="0"/>
+          <a:chExt cx="0" cy="0"/>
+        </a:xfrm>
+      </p:grpSpPr>
+      <p:sp>
+        <p:nvSpPr>
+          <p:cNvPr id="642" name="Google Shape;642;g1340135a080_2_0:notes">
+            <a:extLst>
+              <a:ext uri="{FF2B5EF4-FFF2-40B4-BE49-F238E27FC236}">
+                <a16:creationId xmlns:a16="http://schemas.microsoft.com/office/drawing/2014/main" id="{C89ACEF0-09E3-1BFE-2546-2BFF3E2E4AAD}"/>
+              </a:ext>
+            </a:extLst>
+          </p:cNvPr>
+          <p:cNvSpPr>
+            <a:spLocks noGrp="1" noRot="1" noChangeAspect="1"/>
+          </p:cNvSpPr>
+          <p:nvPr>
+            <p:ph type="sldImg" idx="2"/>
+          </p:nvPr>
+        </p:nvSpPr>
+        <p:spPr>
+          <a:xfrm>
+            <a:off x="381000" y="685800"/>
+            <a:ext cx="6096000" cy="3429000"/>
+          </a:xfrm>
+          <a:custGeom>
+            <a:avLst/>
+            <a:gdLst/>
+            <a:ahLst/>
+            <a:cxnLst/>
+            <a:rect l="l" t="t" r="r" b="b"/>
+            <a:pathLst>
+              <a:path w="120000" h="120000" extrusionOk="0">
+                <a:moveTo>
+                  <a:pt x="0" y="0"/>
+                </a:moveTo>
+                <a:lnTo>
+                  <a:pt x="120000" y="0"/>
+                </a:lnTo>
+                <a:lnTo>
+                  <a:pt x="120000" y="120000"/>
+                </a:lnTo>
+                <a:lnTo>
+                  <a:pt x="0" y="120000"/>
+                </a:lnTo>
+                <a:close/>
+              </a:path>
+            </a:pathLst>
+          </a:custGeom>
+        </p:spPr>
+      </p:sp>
+      <p:sp>
+        <p:nvSpPr>
+          <p:cNvPr id="643" name="Google Shape;643;g1340135a080_2_0:notes">
+            <a:extLst>
+              <a:ext uri="{FF2B5EF4-FFF2-40B4-BE49-F238E27FC236}">
+                <a16:creationId xmlns:a16="http://schemas.microsoft.com/office/drawing/2014/main" id="{4369D6A1-38AC-6E38-F536-916DD05214C8}"/>
+              </a:ext>
+            </a:extLst>
+          </p:cNvPr>
+          <p:cNvSpPr txBox="1">
+            <a:spLocks noGrp="1"/>
+          </p:cNvSpPr>
+          <p:nvPr>
+            <p:ph type="body" idx="1"/>
+          </p:nvPr>
+        </p:nvSpPr>
+        <p:spPr>
+          <a:xfrm>
+            <a:off x="685800" y="4343400"/>
+            <a:ext cx="5486400" cy="4114800"/>
+          </a:xfrm>
+          <a:prstGeom prst="rect">
+            <a:avLst/>
+          </a:prstGeom>
+        </p:spPr>
+        <p:txBody>
+          <a:bodyPr spcFirstLastPara="1" wrap="square" lIns="91425" tIns="91425" rIns="91425" bIns="91425" anchor="t" anchorCtr="0">
+            <a:noAutofit/>
+          </a:bodyPr>
+          <a:lstStyle/>
+          <a:p>
+            <a:pPr marL="0" lvl="0" indent="0" algn="l" rtl="0">
+              <a:spcBef>
+                <a:spcPts val="0"/>
+              </a:spcBef>
+              <a:spcAft>
+                <a:spcPts val="0"/>
+              </a:spcAft>
+              <a:buNone/>
+            </a:pPr>
+            <a:endParaRPr/>
+          </a:p>
+        </p:txBody>
+      </p:sp>
+    </p:spTree>
+    <p:extLst>
+      <p:ext uri="{BB962C8B-B14F-4D97-AF65-F5344CB8AC3E}">
+        <p14:creationId xmlns:p14="http://schemas.microsoft.com/office/powerpoint/2010/main" val="3622620681"/>
+      </p:ext>
+    </p:extLst>
+  </p:cSld>
+  <p:clrMapOvr>
+    <a:masterClrMapping/>
+  </p:clrMapOvr>
+</p:notes>
+</file>
+
+<file path=ppt/notesSlides/notesSlide26.xml><?xml version="1.0" encoding="utf-8"?>
+<p:notes xmlns:a="http://schemas.openxmlformats.org/drawingml/2006/main" xmlns:r="http://schemas.openxmlformats.org/officeDocument/2006/relationships" xmlns:p="http://schemas.openxmlformats.org/presentationml/2006/main" showMasterSp="0" showMasterPhAnim="0">
+  <p:cSld>
+    <p:spTree>
+      <p:nvGrpSpPr>
         <p:cNvPr id="1" name="Shape 325">
           <a:extLst>
             <a:ext uri="{FF2B5EF4-FFF2-40B4-BE49-F238E27FC236}">
@@ -2951,7 +3079,7 @@
 </p:notes>
 </file>
 
-<file path=ppt/notesSlides/notesSlide26.xml><?xml version="1.0" encoding="utf-8"?>
+<file path=ppt/notesSlides/notesSlide27.xml><?xml version="1.0" encoding="utf-8"?>
 <p:notes xmlns:a="http://schemas.openxmlformats.org/drawingml/2006/main" xmlns:r="http://schemas.openxmlformats.org/officeDocument/2006/relationships" xmlns:p="http://schemas.openxmlformats.org/presentationml/2006/main" showMasterSp="0" showMasterPhAnim="0">
   <p:cSld>
     <p:spTree>
@@ -12473,7 +12601,7 @@
               <a:buNone/>
             </a:pPr>
             <a:r>
-              <a:rPr lang="en-US" sz="1200" b="1" dirty="0">
+              <a:rPr lang="en-US" b="1" dirty="0">
                 <a:latin typeface="American Typewriter" panose="02090604020004020304" pitchFamily="18" charset="77"/>
               </a:rPr>
               <a:t>New biologically inspired tactile encoding chip extending the State of the Art by:</a:t>
@@ -12483,7 +12611,7 @@
             <a:pPr marL="0" indent="0">
               <a:buNone/>
             </a:pPr>
-            <a:endParaRPr lang="en-US" sz="1200" dirty="0">
+            <a:endParaRPr lang="en-US" dirty="0">
               <a:latin typeface="American Typewriter" panose="02090604020004020304" pitchFamily="18" charset="77"/>
             </a:endParaRPr>
           </a:p>
@@ -12491,20 +12619,20 @@
             <a:pPr marL="0" indent="0">
               <a:buNone/>
             </a:pPr>
-            <a:endParaRPr lang="en-US" sz="1200" dirty="0">
+            <a:endParaRPr lang="en-US" dirty="0">
               <a:latin typeface="American Typewriter" panose="02090604020004020304" pitchFamily="18" charset="77"/>
             </a:endParaRPr>
           </a:p>
           <a:p>
             <a:pPr marL="171450" indent="-171450"/>
             <a:r>
-              <a:rPr lang="en-US" sz="1200" dirty="0">
+              <a:rPr lang="en-US" dirty="0">
                 <a:latin typeface="American Typewriter" panose="02090604020004020304" pitchFamily="18" charset="77"/>
               </a:rPr>
               <a:t>Integrating </a:t>
             </a:r>
             <a:r>
-              <a:rPr lang="en-US" sz="1200" dirty="0">
+              <a:rPr lang="en-US" dirty="0">
                 <a:solidFill>
                   <a:srgbClr val="0070C0"/>
                 </a:solidFill>
@@ -12513,7 +12641,7 @@
               <a:t>multiple mechanoreceptor models</a:t>
             </a:r>
             <a:r>
-              <a:rPr lang="en-US" sz="1200" dirty="0">
+              <a:rPr lang="en-US" dirty="0">
                 <a:latin typeface="American Typewriter" panose="02090604020004020304" pitchFamily="18" charset="77"/>
               </a:rPr>
               <a:t>.</a:t>
@@ -12521,26 +12649,26 @@
           </a:p>
           <a:p>
             <a:pPr marL="171450" indent="-171450"/>
-            <a:endParaRPr lang="en-US" sz="1200" dirty="0">
+            <a:endParaRPr lang="en-US" dirty="0">
               <a:latin typeface="American Typewriter" panose="02090604020004020304" pitchFamily="18" charset="77"/>
             </a:endParaRPr>
           </a:p>
           <a:p>
             <a:pPr marL="171450" indent="-171450"/>
-            <a:endParaRPr lang="en-US" sz="1200" dirty="0">
+            <a:endParaRPr lang="en-US" dirty="0">
               <a:latin typeface="American Typewriter" panose="02090604020004020304" pitchFamily="18" charset="77"/>
             </a:endParaRPr>
           </a:p>
           <a:p>
             <a:pPr marL="171450" indent="-171450"/>
             <a:r>
-              <a:rPr lang="en-US" sz="1200" dirty="0">
+              <a:rPr lang="en-US" dirty="0">
                 <a:latin typeface="American Typewriter" panose="02090604020004020304" pitchFamily="18" charset="77"/>
               </a:rPr>
               <a:t>Performing on-chip analog-to-spike transduction at the </a:t>
             </a:r>
             <a:r>
-              <a:rPr lang="en-US" sz="1200" dirty="0">
+              <a:rPr lang="en-US" dirty="0">
                 <a:solidFill>
                   <a:srgbClr val="0070C0"/>
                 </a:solidFill>
@@ -12549,7 +12677,7 @@
               <a:t>mechanoreceptor level</a:t>
             </a:r>
             <a:r>
-              <a:rPr lang="en-US" sz="1200" dirty="0">
+              <a:rPr lang="en-US" dirty="0">
                 <a:latin typeface="American Typewriter" panose="02090604020004020304" pitchFamily="18" charset="77"/>
               </a:rPr>
               <a:t>, with separated sensing arrays.</a:t>
@@ -12557,26 +12685,26 @@
           </a:p>
           <a:p>
             <a:pPr marL="171450" indent="-171450"/>
-            <a:endParaRPr lang="en-US" sz="1200" dirty="0">
+            <a:endParaRPr lang="en-US" dirty="0">
               <a:latin typeface="American Typewriter" panose="02090604020004020304" pitchFamily="18" charset="77"/>
             </a:endParaRPr>
           </a:p>
           <a:p>
             <a:pPr marL="171450" indent="-171450"/>
-            <a:endParaRPr lang="en-US" sz="1200" dirty="0">
+            <a:endParaRPr lang="en-US" dirty="0">
               <a:latin typeface="American Typewriter" panose="02090604020004020304" pitchFamily="18" charset="77"/>
             </a:endParaRPr>
           </a:p>
           <a:p>
             <a:pPr marL="171450" indent="-171450"/>
             <a:r>
-              <a:rPr lang="en-US" sz="1200" dirty="0">
+              <a:rPr lang="en-US" dirty="0">
                 <a:latin typeface="American Typewriter" panose="02090604020004020304" pitchFamily="18" charset="77"/>
               </a:rPr>
               <a:t>Reducing data redundancy through </a:t>
             </a:r>
             <a:r>
-              <a:rPr lang="en-US" sz="1200" dirty="0">
+              <a:rPr lang="en-US" dirty="0">
                 <a:solidFill>
                   <a:srgbClr val="0070C0"/>
                 </a:solidFill>
@@ -12585,7 +12713,7 @@
               <a:t>event-driven encoding</a:t>
             </a:r>
             <a:r>
-              <a:rPr lang="en-US" sz="1200" dirty="0">
+              <a:rPr lang="en-US" dirty="0">
                 <a:latin typeface="American Typewriter" panose="02090604020004020304" pitchFamily="18" charset="77"/>
               </a:rPr>
               <a:t>.</a:t>
@@ -12593,26 +12721,26 @@
           </a:p>
           <a:p>
             <a:pPr marL="171450" indent="-171450"/>
-            <a:endParaRPr lang="en-US" sz="1200" dirty="0">
+            <a:endParaRPr lang="en-US" dirty="0">
               <a:latin typeface="American Typewriter" panose="02090604020004020304" pitchFamily="18" charset="77"/>
             </a:endParaRPr>
           </a:p>
           <a:p>
             <a:pPr marL="171450" indent="-171450"/>
-            <a:endParaRPr lang="en-US" sz="1200" dirty="0">
+            <a:endParaRPr lang="en-US" dirty="0">
               <a:latin typeface="American Typewriter" panose="02090604020004020304" pitchFamily="18" charset="77"/>
             </a:endParaRPr>
           </a:p>
           <a:p>
             <a:pPr marL="171450" indent="-171450"/>
             <a:r>
-              <a:rPr lang="en-US" sz="1200" dirty="0">
+              <a:rPr lang="en-US" dirty="0">
                 <a:latin typeface="American Typewriter" panose="02090604020004020304" pitchFamily="18" charset="77"/>
               </a:rPr>
               <a:t>Enabling </a:t>
             </a:r>
             <a:r>
-              <a:rPr lang="en-US" sz="1200" dirty="0">
+              <a:rPr lang="en-US" dirty="0">
                 <a:solidFill>
                   <a:srgbClr val="0070C0"/>
                 </a:solidFill>
@@ -12621,7 +12749,7 @@
               <a:t>asynchronous spike-based communication </a:t>
             </a:r>
             <a:r>
-              <a:rPr lang="en-US" sz="1200" dirty="0">
+              <a:rPr lang="en-US" dirty="0">
                 <a:latin typeface="American Typewriter" panose="02090604020004020304" pitchFamily="18" charset="77"/>
               </a:rPr>
               <a:t>via AER.</a:t>
@@ -13074,25 +13202,25 @@
           <a:p>
             <a:pPr marL="171450" indent="-171450"/>
             <a:r>
-              <a:rPr lang="en-US" sz="1200" b="1" dirty="0">
+              <a:rPr lang="en-US" b="1" dirty="0">
                 <a:latin typeface="American Typewriter" panose="02090604020004020304" pitchFamily="18" charset="77"/>
               </a:rPr>
               <a:t>Spiking Phase-locked Loop </a:t>
             </a:r>
             <a:r>
-              <a:rPr lang="en-US" sz="1200" dirty="0">
+              <a:rPr lang="en-US" dirty="0">
                 <a:latin typeface="American Typewriter" panose="02090604020004020304" pitchFamily="18" charset="77"/>
               </a:rPr>
               <a:t>(</a:t>
             </a:r>
             <a:r>
-              <a:rPr lang="en-US" sz="1200" dirty="0" err="1">
+              <a:rPr lang="en-US" dirty="0" err="1">
                 <a:latin typeface="American Typewriter" panose="02090604020004020304" pitchFamily="18" charset="77"/>
               </a:rPr>
               <a:t>sPLL</a:t>
             </a:r>
             <a:r>
-              <a:rPr lang="en-US" sz="1200" dirty="0">
+              <a:rPr lang="en-US" dirty="0">
                 <a:latin typeface="American Typewriter" panose="02090604020004020304" pitchFamily="18" charset="77"/>
               </a:rPr>
               <a:t>) system in neuromorphic hardware.</a:t>
@@ -13100,13 +13228,13 @@
           </a:p>
           <a:p>
             <a:pPr marL="171450" indent="-171450"/>
-            <a:endParaRPr lang="en-US" sz="1200" dirty="0">
+            <a:endParaRPr lang="en-US" dirty="0">
               <a:latin typeface="American Typewriter" panose="02090604020004020304" pitchFamily="18" charset="77"/>
             </a:endParaRPr>
           </a:p>
           <a:p>
             <a:pPr marL="171450" indent="-171450"/>
-            <a:endParaRPr lang="en-US" sz="1200" dirty="0">
+            <a:endParaRPr lang="en-US" dirty="0">
               <a:latin typeface="American Typewriter" panose="02090604020004020304" pitchFamily="18" charset="77"/>
             </a:endParaRPr>
           </a:p>
@@ -13122,7 +13250,7 @@
               <a:buFont typeface="Hanken Grotesk"/>
               <a:buChar char="●"/>
             </a:pPr>
-            <a:endParaRPr lang="en-US" sz="1200" dirty="0">
+            <a:endParaRPr lang="en-US" dirty="0">
               <a:latin typeface="American Typewriter" panose="02090604020004020304" pitchFamily="18" charset="77"/>
             </a:endParaRPr>
           </a:p>
@@ -13138,7 +13266,7 @@
               <a:buFont typeface="Hanken Grotesk"/>
               <a:buChar char="●"/>
             </a:pPr>
-            <a:endParaRPr sz="1200" dirty="0">
+            <a:endParaRPr dirty="0">
               <a:latin typeface="American Typewriter" panose="02090604020004020304" pitchFamily="18" charset="77"/>
             </a:endParaRPr>
           </a:p>
@@ -13342,7 +13470,7 @@
         </p:nvSpPr>
         <p:spPr>
           <a:xfrm>
-            <a:off x="720000" y="1373714"/>
+            <a:off x="720000" y="1161079"/>
             <a:ext cx="7605134" cy="3770843"/>
           </a:xfrm>
           <a:prstGeom prst="rect">
@@ -13357,13 +13485,13 @@
           <a:p>
             <a:pPr marL="171450" indent="-171450"/>
             <a:r>
-              <a:rPr lang="en-US" sz="1200" b="1" dirty="0">
+              <a:rPr lang="en-US" b="1" dirty="0">
                 <a:latin typeface="American Typewriter" panose="02090604020004020304" pitchFamily="18" charset="77"/>
               </a:rPr>
               <a:t>Neuromorphic Cochlea </a:t>
             </a:r>
             <a:r>
-              <a:rPr lang="en-US" sz="1200" dirty="0">
+              <a:rPr lang="en-US" dirty="0">
                 <a:latin typeface="American Typewriter" panose="02090604020004020304" pitchFamily="18" charset="77"/>
               </a:rPr>
               <a:t>: uses cascade of filters to create bandpass filters over the hearing bandwidth.</a:t>
@@ -13900,7 +14028,7 @@
               <a:buNone/>
             </a:pPr>
             <a:r>
-              <a:rPr lang="en-US" sz="1200" b="1" dirty="0">
+              <a:rPr lang="en-US" b="1" dirty="0">
                 <a:latin typeface="American Typewriter" panose="02090604020004020304" pitchFamily="18" charset="77"/>
               </a:rPr>
               <a:t>Goal: </a:t>
@@ -13910,7 +14038,7 @@
             <a:pPr marL="0" indent="0">
               <a:buNone/>
             </a:pPr>
-            <a:endParaRPr lang="en-US" sz="1200" b="1" dirty="0">
+            <a:endParaRPr lang="en-US" b="1" dirty="0">
               <a:latin typeface="American Typewriter" panose="02090604020004020304" pitchFamily="18" charset="77"/>
             </a:endParaRPr>
           </a:p>
@@ -13919,13 +14047,13 @@
               <a:buNone/>
             </a:pPr>
             <a:r>
-              <a:rPr lang="en-US" sz="1200" dirty="0">
+              <a:rPr lang="en-US" dirty="0">
                 <a:latin typeface="American Typewriter" panose="02090604020004020304" pitchFamily="18" charset="77"/>
               </a:rPr>
               <a:t>Design a control scheme optimizing both </a:t>
             </a:r>
             <a:r>
-              <a:rPr lang="en-US" sz="1200" dirty="0">
+              <a:rPr lang="en-US" dirty="0">
                 <a:solidFill>
                   <a:srgbClr val="0070C0"/>
                 </a:solidFill>
@@ -13934,13 +14062,13 @@
               <a:t>task performance </a:t>
             </a:r>
             <a:r>
-              <a:rPr lang="en-US" sz="1200" dirty="0">
+              <a:rPr lang="en-US" dirty="0">
                 <a:latin typeface="American Typewriter" panose="02090604020004020304" pitchFamily="18" charset="77"/>
               </a:rPr>
               <a:t>and </a:t>
             </a:r>
             <a:r>
-              <a:rPr lang="en-US" sz="1200" dirty="0">
+              <a:rPr lang="en-US" dirty="0">
                 <a:solidFill>
                   <a:srgbClr val="0070C0"/>
                 </a:solidFill>
@@ -13949,7 +14077,7 @@
               <a:t>system energy efficiency</a:t>
             </a:r>
             <a:r>
-              <a:rPr lang="en-US" sz="1200" dirty="0">
+              <a:rPr lang="en-US" dirty="0">
                 <a:latin typeface="American Typewriter" panose="02090604020004020304" pitchFamily="18" charset="77"/>
               </a:rPr>
               <a:t>.</a:t>
@@ -13959,7 +14087,7 @@
             <a:pPr marL="0" indent="0">
               <a:buNone/>
             </a:pPr>
-            <a:endParaRPr lang="en-US" sz="1200" dirty="0">
+            <a:endParaRPr lang="en-US" dirty="0">
               <a:latin typeface="American Typewriter" panose="02090604020004020304" pitchFamily="18" charset="77"/>
             </a:endParaRPr>
           </a:p>
@@ -13967,7 +14095,7 @@
             <a:pPr marL="0" indent="0">
               <a:buNone/>
             </a:pPr>
-            <a:endParaRPr lang="en-US" sz="1200" dirty="0">
+            <a:endParaRPr lang="en-US" dirty="0">
               <a:latin typeface="American Typewriter" panose="02090604020004020304" pitchFamily="18" charset="77"/>
             </a:endParaRPr>
           </a:p>
@@ -13976,7 +14104,7 @@
               <a:buNone/>
             </a:pPr>
             <a:r>
-              <a:rPr lang="en-US" sz="1200" b="1" dirty="0">
+              <a:rPr lang="en-US" b="1" dirty="0">
                 <a:latin typeface="American Typewriter" panose="02090604020004020304" pitchFamily="18" charset="77"/>
               </a:rPr>
               <a:t>Active Efficient Coding:</a:t>
@@ -13986,7 +14114,7 @@
             <a:pPr marL="0" indent="0">
               <a:buNone/>
             </a:pPr>
-            <a:endParaRPr lang="en-US" sz="1200" b="1" dirty="0">
+            <a:endParaRPr lang="en-US" b="1" dirty="0">
               <a:latin typeface="American Typewriter" panose="02090604020004020304" pitchFamily="18" charset="77"/>
             </a:endParaRPr>
           </a:p>
@@ -13995,7 +14123,7 @@
               <a:buNone/>
             </a:pPr>
             <a:r>
-              <a:rPr lang="en-US" sz="1200" dirty="0">
+              <a:rPr lang="en-US" dirty="0">
                 <a:latin typeface="American Typewriter" panose="02090604020004020304" pitchFamily="18" charset="77"/>
               </a:rPr>
               <a:t>Adapts biases/gains of lower layers via feedback using a Reinforcement Learning Framework.</a:t>
@@ -14003,7 +14131,7 @@
           </a:p>
           <a:p>
             <a:pPr marL="171450" indent="-171450"/>
-            <a:endParaRPr lang="en-US" sz="1200" dirty="0">
+            <a:endParaRPr lang="en-US" dirty="0">
               <a:latin typeface="American Typewriter" panose="02090604020004020304" pitchFamily="18" charset="77"/>
             </a:endParaRPr>
           </a:p>
@@ -14019,7 +14147,7 @@
               <a:buFont typeface="Hanken Grotesk"/>
               <a:buChar char="●"/>
             </a:pPr>
-            <a:endParaRPr lang="en-US" sz="1200" dirty="0">
+            <a:endParaRPr lang="en-US" dirty="0">
               <a:latin typeface="American Typewriter" panose="02090604020004020304" pitchFamily="18" charset="77"/>
             </a:endParaRPr>
           </a:p>
@@ -14035,7 +14163,7 @@
               <a:buFont typeface="Hanken Grotesk"/>
               <a:buChar char="●"/>
             </a:pPr>
-            <a:endParaRPr sz="1200" dirty="0">
+            <a:endParaRPr dirty="0">
               <a:latin typeface="American Typewriter" panose="02090604020004020304" pitchFamily="18" charset="77"/>
             </a:endParaRPr>
           </a:p>
@@ -14167,7 +14295,7 @@
         </p:nvSpPr>
         <p:spPr>
           <a:xfrm>
-            <a:off x="720000" y="1373714"/>
+            <a:off x="720000" y="1277175"/>
             <a:ext cx="7605134" cy="3770843"/>
           </a:xfrm>
           <a:prstGeom prst="rect">
@@ -14182,7 +14310,7 @@
           <a:p>
             <a:pPr marL="171450" indent="-171450"/>
             <a:r>
-              <a:rPr lang="en-US" sz="1200" dirty="0">
+              <a:rPr lang="en-US" dirty="0">
                 <a:latin typeface="American Typewriter" panose="02090604020004020304" pitchFamily="18" charset="77"/>
               </a:rPr>
               <a:t>Uses a hierarchical network minimizing prediction error.</a:t>
@@ -14190,14 +14318,14 @@
           </a:p>
           <a:p>
             <a:pPr marL="171450" indent="-171450"/>
-            <a:endParaRPr lang="en-US" sz="1200" b="1" dirty="0">
+            <a:endParaRPr lang="en-US" b="1" dirty="0">
               <a:latin typeface="American Typewriter" panose="02090604020004020304" pitchFamily="18" charset="77"/>
             </a:endParaRPr>
           </a:p>
           <a:p>
             <a:pPr marL="171450" indent="-171450"/>
             <a:r>
-              <a:rPr lang="en-US" sz="1200" dirty="0">
+              <a:rPr lang="en-US" dirty="0">
                 <a:latin typeface="American Typewriter" panose="02090604020004020304" pitchFamily="18" charset="77"/>
               </a:rPr>
               <a:t>Feedforward = residual error / Feedback = prediction.</a:t>
@@ -14205,14 +14333,14 @@
           </a:p>
           <a:p>
             <a:pPr marL="171450" indent="-171450"/>
-            <a:endParaRPr lang="en-US" sz="1200" b="1" dirty="0">
+            <a:endParaRPr lang="en-US" b="1" dirty="0">
               <a:latin typeface="American Typewriter" panose="02090604020004020304" pitchFamily="18" charset="77"/>
             </a:endParaRPr>
           </a:p>
           <a:p>
             <a:pPr marL="171450" indent="-171450"/>
             <a:r>
-              <a:rPr lang="en-US" sz="1200" dirty="0">
+              <a:rPr lang="en-US" dirty="0">
                 <a:solidFill>
                   <a:srgbClr val="0070C0"/>
                 </a:solidFill>
@@ -14221,7 +14349,7 @@
               <a:t>Only unexpected information is propagated</a:t>
             </a:r>
             <a:r>
-              <a:rPr lang="en-US" sz="1200" dirty="0">
+              <a:rPr lang="en-US" dirty="0">
                 <a:latin typeface="American Typewriter" panose="02090604020004020304" pitchFamily="18" charset="77"/>
               </a:rPr>
               <a:t>.</a:t>
@@ -14320,7 +14448,7 @@
         </p:blipFill>
         <p:spPr>
           <a:xfrm>
-            <a:off x="1681046" y="2571750"/>
+            <a:off x="1631613" y="2695627"/>
             <a:ext cx="5781908" cy="2215073"/>
           </a:xfrm>
           <a:prstGeom prst="rect">
@@ -14450,7 +14578,7 @@
               <a:buNone/>
             </a:pPr>
             <a:r>
-              <a:rPr lang="en-US" sz="1200" dirty="0">
+              <a:rPr lang="en-US" dirty="0">
                 <a:latin typeface="American Typewriter" panose="02090604020004020304" pitchFamily="18" charset="77"/>
               </a:rPr>
               <a:t>Concrete implementation of Predictive Coding in SNNs.</a:t>
@@ -14468,7 +14596,7 @@
               <a:buFont typeface="Hanken Grotesk"/>
               <a:buChar char="●"/>
             </a:pPr>
-            <a:endParaRPr lang="en-US" sz="1200" dirty="0">
+            <a:endParaRPr lang="en-US" dirty="0">
               <a:latin typeface="American Typewriter" panose="02090604020004020304" pitchFamily="18" charset="77"/>
             </a:endParaRPr>
           </a:p>
@@ -14803,7 +14931,7 @@
               <a:buNone/>
             </a:pPr>
             <a:r>
-              <a:rPr lang="en-US" sz="1200" b="1" dirty="0">
+              <a:rPr lang="en-US" b="1" dirty="0">
                 <a:latin typeface="American Typewriter" panose="02090604020004020304" pitchFamily="18" charset="77"/>
               </a:rPr>
               <a:t>Advantages:</a:t>
@@ -14814,14 +14942,14 @@
               <a:buFont typeface="Hanken Grotesk"/>
               <a:buNone/>
             </a:pPr>
-            <a:endParaRPr lang="en-US" sz="1200" dirty="0">
+            <a:endParaRPr lang="en-US" dirty="0">
               <a:latin typeface="American Typewriter" panose="02090604020004020304" pitchFamily="18" charset="77"/>
             </a:endParaRPr>
           </a:p>
           <a:p>
             <a:pPr marL="171450" indent="-171450"/>
             <a:r>
-              <a:rPr lang="en-US" sz="1200" dirty="0">
+              <a:rPr lang="en-US" dirty="0">
                 <a:latin typeface="American Typewriter" panose="02090604020004020304" pitchFamily="18" charset="77"/>
               </a:rPr>
               <a:t>No residual errors propagation.</a:t>
@@ -14829,14 +14957,14 @@
           </a:p>
           <a:p>
             <a:pPr marL="171450" indent="-171450"/>
-            <a:endParaRPr lang="en-US" sz="1200" dirty="0">
+            <a:endParaRPr lang="en-US" dirty="0">
               <a:latin typeface="American Typewriter" panose="02090604020004020304" pitchFamily="18" charset="77"/>
             </a:endParaRPr>
           </a:p>
           <a:p>
             <a:pPr marL="171450" indent="-171450"/>
             <a:r>
-              <a:rPr lang="en-US" sz="1200" dirty="0">
+              <a:rPr lang="en-US" dirty="0">
                 <a:solidFill>
                   <a:srgbClr val="0070C0"/>
                 </a:solidFill>
@@ -14845,7 +14973,7 @@
               <a:t>Suppresses most predictable spikes</a:t>
             </a:r>
             <a:r>
-              <a:rPr lang="en-US" sz="1200" dirty="0">
+              <a:rPr lang="en-US" dirty="0">
                 <a:latin typeface="American Typewriter" panose="02090604020004020304" pitchFamily="18" charset="77"/>
               </a:rPr>
               <a:t>.</a:t>
@@ -14853,14 +14981,14 @@
           </a:p>
           <a:p>
             <a:pPr marL="171450" indent="-171450"/>
-            <a:endParaRPr lang="en-US" sz="1200" dirty="0">
+            <a:endParaRPr lang="en-US" dirty="0">
               <a:latin typeface="American Typewriter" panose="02090604020004020304" pitchFamily="18" charset="77"/>
             </a:endParaRPr>
           </a:p>
           <a:p>
             <a:pPr marL="171450" indent="-171450"/>
             <a:r>
-              <a:rPr lang="en-US" sz="1200" dirty="0">
+              <a:rPr lang="en-US" dirty="0">
                 <a:latin typeface="American Typewriter" panose="02090604020004020304" pitchFamily="18" charset="77"/>
               </a:rPr>
               <a:t>Concrete implementation in SNNs.</a:t>
@@ -14868,20 +14996,20 @@
           </a:p>
           <a:p>
             <a:pPr marL="171450" indent="-171450"/>
-            <a:endParaRPr lang="en-US" sz="1200" dirty="0">
+            <a:endParaRPr lang="en-US" dirty="0">
               <a:latin typeface="American Typewriter" panose="02090604020004020304" pitchFamily="18" charset="77"/>
             </a:endParaRPr>
           </a:p>
           <a:p>
             <a:pPr marL="171450" indent="-171450"/>
             <a:r>
-              <a:rPr lang="en-US" sz="1200" dirty="0">
+              <a:rPr lang="en-US" dirty="0">
                 <a:latin typeface="American Typewriter" panose="02090604020004020304" pitchFamily="18" charset="77"/>
               </a:rPr>
               <a:t>Uses inhibitory STDP (</a:t>
             </a:r>
             <a:r>
-              <a:rPr lang="en-US" sz="1200" dirty="0">
+              <a:rPr lang="en-US" dirty="0">
                 <a:solidFill>
                   <a:srgbClr val="0070C0"/>
                 </a:solidFill>
@@ -14890,7 +15018,7 @@
               <a:t>online learning</a:t>
             </a:r>
             <a:r>
-              <a:rPr lang="en-US" sz="1200" dirty="0">
+              <a:rPr lang="en-US" dirty="0">
                 <a:latin typeface="American Typewriter" panose="02090604020004020304" pitchFamily="18" charset="77"/>
               </a:rPr>
               <a:t>).</a:t>
@@ -15138,6 +15266,145 @@
   <p:cSld>
     <p:spTree>
       <p:nvGrpSpPr>
+        <p:cNvPr id="1" name="Shape 644">
+          <a:extLst>
+            <a:ext uri="{FF2B5EF4-FFF2-40B4-BE49-F238E27FC236}">
+              <a16:creationId xmlns:a16="http://schemas.microsoft.com/office/drawing/2014/main" id="{F6F5052C-D630-E066-F41B-D5948B499CE5}"/>
+            </a:ext>
+          </a:extLst>
+        </p:cNvPr>
+        <p:cNvGrpSpPr/>
+        <p:nvPr/>
+      </p:nvGrpSpPr>
+      <p:grpSpPr>
+        <a:xfrm>
+          <a:off x="0" y="0"/>
+          <a:ext cx="0" cy="0"/>
+          <a:chOff x="0" y="0"/>
+          <a:chExt cx="0" cy="0"/>
+        </a:xfrm>
+      </p:grpSpPr>
+      <p:sp>
+        <p:nvSpPr>
+          <p:cNvPr id="645" name="Google Shape;645;p52">
+            <a:extLst>
+              <a:ext uri="{FF2B5EF4-FFF2-40B4-BE49-F238E27FC236}">
+                <a16:creationId xmlns:a16="http://schemas.microsoft.com/office/drawing/2014/main" id="{8C694FC4-ABFF-52DD-B306-7A4042B86C96}"/>
+              </a:ext>
+            </a:extLst>
+          </p:cNvPr>
+          <p:cNvSpPr txBox="1">
+            <a:spLocks noGrp="1"/>
+          </p:cNvSpPr>
+          <p:nvPr>
+            <p:ph type="title"/>
+          </p:nvPr>
+        </p:nvSpPr>
+        <p:spPr>
+          <a:xfrm>
+            <a:off x="720000" y="445025"/>
+            <a:ext cx="7704000" cy="572700"/>
+          </a:xfrm>
+          <a:prstGeom prst="rect">
+            <a:avLst/>
+          </a:prstGeom>
+        </p:spPr>
+        <p:txBody>
+          <a:bodyPr spcFirstLastPara="1" wrap="square" lIns="91425" tIns="91425" rIns="91425" bIns="91425" anchor="t" anchorCtr="0">
+            <a:noAutofit/>
+          </a:bodyPr>
+          <a:lstStyle/>
+          <a:p>
+            <a:pPr lvl="0"/>
+            <a:r>
+              <a:rPr lang="en-US" sz="1800" b="1" dirty="0">
+                <a:latin typeface="American Typewriter" panose="02090604020004020304" pitchFamily="18" charset="77"/>
+              </a:rPr>
+              <a:t>A Neuromorphic Approach to Texture Recognition</a:t>
+            </a:r>
+            <a:endParaRPr sz="1800" b="1" dirty="0">
+              <a:latin typeface="American Typewriter" panose="02090604020004020304" pitchFamily="18" charset="77"/>
+            </a:endParaRPr>
+          </a:p>
+        </p:txBody>
+      </p:sp>
+      <p:sp>
+        <p:nvSpPr>
+          <p:cNvPr id="2" name="Slide Number Placeholder 1">
+            <a:extLst>
+              <a:ext uri="{FF2B5EF4-FFF2-40B4-BE49-F238E27FC236}">
+                <a16:creationId xmlns:a16="http://schemas.microsoft.com/office/drawing/2014/main" id="{65C33FD5-4B2B-AEFA-942E-9561E5B91F6B}"/>
+              </a:ext>
+            </a:extLst>
+          </p:cNvPr>
+          <p:cNvSpPr>
+            <a:spLocks noGrp="1"/>
+          </p:cNvSpPr>
+          <p:nvPr>
+            <p:ph type="sldNum" sz="quarter" idx="10"/>
+          </p:nvPr>
+        </p:nvSpPr>
+        <p:spPr/>
+        <p:txBody>
+          <a:bodyPr/>
+          <a:lstStyle/>
+          <a:p>
+            <a:fld id="{861562AC-9218-2541-A582-349CD9993012}" type="slidenum">
+              <a:rPr lang="en-US" smtClean="0"/>
+              <a:t>25</a:t>
+            </a:fld>
+            <a:endParaRPr lang="en-US"/>
+          </a:p>
+        </p:txBody>
+      </p:sp>
+      <p:pic>
+        <p:nvPicPr>
+          <p:cNvPr id="3" name="Picture 2">
+            <a:extLst>
+              <a:ext uri="{FF2B5EF4-FFF2-40B4-BE49-F238E27FC236}">
+                <a16:creationId xmlns:a16="http://schemas.microsoft.com/office/drawing/2014/main" id="{4E29CE8D-8DA1-A812-1D09-F3219786AA1B}"/>
+              </a:ext>
+            </a:extLst>
+          </p:cNvPr>
+          <p:cNvPicPr>
+            <a:picLocks noChangeAspect="1"/>
+          </p:cNvPicPr>
+          <p:nvPr/>
+        </p:nvPicPr>
+        <p:blipFill>
+          <a:blip r:embed="rId3"/>
+          <a:stretch>
+            <a:fillRect/>
+          </a:stretch>
+        </p:blipFill>
+        <p:spPr>
+          <a:xfrm>
+            <a:off x="1562770" y="781700"/>
+            <a:ext cx="6018459" cy="3916775"/>
+          </a:xfrm>
+          <a:prstGeom prst="rect">
+            <a:avLst/>
+          </a:prstGeom>
+        </p:spPr>
+      </p:pic>
+    </p:spTree>
+    <p:extLst>
+      <p:ext uri="{BB962C8B-B14F-4D97-AF65-F5344CB8AC3E}">
+        <p14:creationId xmlns:p14="http://schemas.microsoft.com/office/powerpoint/2010/main" val="3824391599"/>
+      </p:ext>
+    </p:extLst>
+  </p:cSld>
+  <p:clrMapOvr>
+    <a:masterClrMapping/>
+  </p:clrMapOvr>
+</p:sld>
+</file>
+
+<file path=ppt/slides/slide26.xml><?xml version="1.0" encoding="utf-8"?>
+<p:sld xmlns:a="http://schemas.openxmlformats.org/drawingml/2006/main" xmlns:r="http://schemas.openxmlformats.org/officeDocument/2006/relationships" xmlns:p="http://schemas.openxmlformats.org/presentationml/2006/main">
+  <p:cSld>
+    <p:spTree>
+      <p:nvGrpSpPr>
         <p:cNvPr id="1" name="Shape 328">
           <a:extLst>
             <a:ext uri="{FF2B5EF4-FFF2-40B4-BE49-F238E27FC236}">
@@ -15261,7 +15528,7 @@
           <a:p>
             <a:fld id="{861562AC-9218-2541-A582-349CD9993012}" type="slidenum">
               <a:rPr lang="en-US" smtClean="0"/>
-              <a:t>25</a:t>
+              <a:t>26</a:t>
             </a:fld>
             <a:endParaRPr lang="en-US"/>
           </a:p>
@@ -15280,7 +15547,7 @@
 </p:sld>
 </file>
 
-<file path=ppt/slides/slide26.xml><?xml version="1.0" encoding="utf-8"?>
+<file path=ppt/slides/slide27.xml><?xml version="1.0" encoding="utf-8"?>
 <p:sld xmlns:a="http://schemas.openxmlformats.org/drawingml/2006/main" xmlns:r="http://schemas.openxmlformats.org/officeDocument/2006/relationships" xmlns:p="http://schemas.openxmlformats.org/presentationml/2006/main">
   <p:cSld>
     <p:spTree>
@@ -15364,7 +15631,7 @@
         </p:nvSpPr>
         <p:spPr>
           <a:xfrm>
-            <a:off x="720000" y="1373714"/>
+            <a:off x="720000" y="1650610"/>
             <a:ext cx="7605134" cy="3770843"/>
           </a:xfrm>
           <a:prstGeom prst="rect">
@@ -15381,7 +15648,7 @@
               <a:buNone/>
             </a:pPr>
             <a:r>
-              <a:rPr lang="en-US" sz="1200" dirty="0">
+              <a:rPr lang="en-US" dirty="0">
                 <a:latin typeface="American Typewriter" panose="02090604020004020304" pitchFamily="18" charset="77"/>
               </a:rPr>
               <a:t>No single modality is enough for reliable real world perception and action.</a:t>
@@ -15391,7 +15658,7 @@
             <a:pPr marL="0" indent="0">
               <a:buNone/>
             </a:pPr>
-            <a:endParaRPr lang="en-US" sz="1200" dirty="0">
+            <a:endParaRPr lang="en-US" dirty="0">
               <a:latin typeface="American Typewriter" panose="02090604020004020304" pitchFamily="18" charset="77"/>
             </a:endParaRPr>
           </a:p>
@@ -15399,7 +15666,7 @@
             <a:pPr marL="0" indent="0">
               <a:buNone/>
             </a:pPr>
-            <a:endParaRPr lang="en-US" sz="1200" dirty="0">
+            <a:endParaRPr lang="en-US" dirty="0">
               <a:latin typeface="American Typewriter" panose="02090604020004020304" pitchFamily="18" charset="77"/>
             </a:endParaRPr>
           </a:p>
@@ -15408,7 +15675,7 @@
               <a:buNone/>
             </a:pPr>
             <a:r>
-              <a:rPr lang="en-US" sz="1200" dirty="0">
+              <a:rPr lang="en-US" dirty="0">
                 <a:latin typeface="American Typewriter" panose="02090604020004020304" pitchFamily="18" charset="77"/>
               </a:rPr>
               <a:t>When modalities are fused, the system can stay robust under uncertainty.</a:t>
@@ -15418,7 +15685,7 @@
             <a:pPr marL="0" indent="0">
               <a:buNone/>
             </a:pPr>
-            <a:endParaRPr lang="en-US" sz="1200" dirty="0">
+            <a:endParaRPr lang="en-US" dirty="0">
               <a:latin typeface="American Typewriter" panose="02090604020004020304" pitchFamily="18" charset="77"/>
             </a:endParaRPr>
           </a:p>
@@ -15426,7 +15693,7 @@
             <a:pPr marL="0" indent="0">
               <a:buNone/>
             </a:pPr>
-            <a:endParaRPr lang="en-US" sz="1200" dirty="0">
+            <a:endParaRPr lang="en-US" dirty="0">
               <a:latin typeface="American Typewriter" panose="02090604020004020304" pitchFamily="18" charset="77"/>
             </a:endParaRPr>
           </a:p>
@@ -15435,7 +15702,7 @@
               <a:buNone/>
             </a:pPr>
             <a:r>
-              <a:rPr lang="en-US" sz="1200" dirty="0">
+              <a:rPr lang="en-US" dirty="0">
                 <a:latin typeface="American Typewriter" panose="02090604020004020304" pitchFamily="18" charset="77"/>
               </a:rPr>
               <a:t>For robust environment exploration, multimodal perception allow to switch from one modality to another in case of occlusion in one of them.</a:t>
@@ -15466,7 +15733,7 @@
           <a:p>
             <a:fld id="{861562AC-9218-2541-A582-349CD9993012}" type="slidenum">
               <a:rPr lang="en-US" smtClean="0"/>
-              <a:t>26</a:t>
+              <a:t>27</a:t>
             </a:fld>
             <a:endParaRPr lang="en-US"/>
           </a:p>
@@ -15594,7 +15861,7 @@
               <a:buFont typeface="Hanken Grotesk"/>
               <a:buChar char="●"/>
             </a:pPr>
-            <a:endParaRPr lang="en-US" sz="1200" dirty="0">
+            <a:endParaRPr lang="en-US" dirty="0">
               <a:latin typeface="American Typewriter" panose="02090604020004020304" pitchFamily="18" charset="77"/>
             </a:endParaRPr>
           </a:p>
@@ -15610,7 +15877,7 @@
               <a:buFont typeface="Hanken Grotesk"/>
               <a:buChar char="●"/>
             </a:pPr>
-            <a:endParaRPr lang="en-US" sz="1200" dirty="0">
+            <a:endParaRPr lang="en-US" dirty="0">
               <a:latin typeface="American Typewriter" panose="02090604020004020304" pitchFamily="18" charset="77"/>
             </a:endParaRPr>
           </a:p>
@@ -15627,10 +15894,25 @@
               <a:buChar char="●"/>
             </a:pPr>
             <a:r>
-              <a:rPr lang="en-US" sz="1200" dirty="0">
+              <a:rPr lang="en-US" dirty="0">
                 <a:latin typeface="American Typewriter" panose="02090604020004020304" pitchFamily="18" charset="77"/>
               </a:rPr>
-              <a:t>Texture is one of the first thing we perceive from touch.</a:t>
+              <a:t>Texture is one of the first thing we perceive from </a:t>
+            </a:r>
+            <a:r>
+              <a:rPr lang="en-US" dirty="0">
+                <a:solidFill>
+                  <a:srgbClr val="0070C0"/>
+                </a:solidFill>
+                <a:latin typeface="American Typewriter" panose="02090604020004020304" pitchFamily="18" charset="77"/>
+              </a:rPr>
+              <a:t>touch</a:t>
+            </a:r>
+            <a:r>
+              <a:rPr lang="en-US" dirty="0">
+                <a:latin typeface="American Typewriter" panose="02090604020004020304" pitchFamily="18" charset="77"/>
+              </a:rPr>
+              <a:t>.</a:t>
             </a:r>
           </a:p>
           <a:p>
@@ -15645,7 +15927,7 @@
               <a:buFont typeface="Hanken Grotesk"/>
               <a:buChar char="●"/>
             </a:pPr>
-            <a:endParaRPr lang="en-US" sz="1200" dirty="0">
+            <a:endParaRPr lang="en-US" dirty="0">
               <a:latin typeface="American Typewriter" panose="02090604020004020304" pitchFamily="18" charset="77"/>
             </a:endParaRPr>
           </a:p>
@@ -15661,7 +15943,7 @@
               <a:buFont typeface="Hanken Grotesk"/>
               <a:buChar char="●"/>
             </a:pPr>
-            <a:endParaRPr lang="en-US" sz="1200" dirty="0">
+            <a:endParaRPr lang="en-US" dirty="0">
               <a:latin typeface="American Typewriter" panose="02090604020004020304" pitchFamily="18" charset="77"/>
             </a:endParaRPr>
           </a:p>
@@ -15678,11 +15960,41 @@
               <a:buChar char="●"/>
             </a:pPr>
             <a:r>
-              <a:rPr lang="en-US" sz="1200" dirty="0">
+              <a:rPr lang="en-US" dirty="0">
                 <a:latin typeface="American Typewriter" panose="02090604020004020304" pitchFamily="18" charset="77"/>
               </a:rPr>
-              <a:t>It helps with material and object recognition.</a:t>
+              <a:t>It helps with </a:t>
             </a:r>
+            <a:r>
+              <a:rPr lang="en-US" dirty="0">
+                <a:solidFill>
+                  <a:srgbClr val="0070C0"/>
+                </a:solidFill>
+                <a:latin typeface="American Typewriter" panose="02090604020004020304" pitchFamily="18" charset="77"/>
+              </a:rPr>
+              <a:t>material</a:t>
+            </a:r>
+            <a:r>
+              <a:rPr lang="en-US" dirty="0">
+                <a:latin typeface="American Typewriter" panose="02090604020004020304" pitchFamily="18" charset="77"/>
+              </a:rPr>
+              <a:t> and </a:t>
+            </a:r>
+            <a:r>
+              <a:rPr lang="en-US" dirty="0">
+                <a:solidFill>
+                  <a:srgbClr val="0070C0"/>
+                </a:solidFill>
+                <a:latin typeface="American Typewriter" panose="02090604020004020304" pitchFamily="18" charset="77"/>
+              </a:rPr>
+              <a:t>object recognition</a:t>
+            </a:r>
+            <a:r>
+              <a:rPr lang="en-US" dirty="0">
+                <a:latin typeface="American Typewriter" panose="02090604020004020304" pitchFamily="18" charset="77"/>
+              </a:rPr>
+              <a:t>.</a:t>
+            </a:r>
           </a:p>
           <a:p>
             <a:pPr marL="0" lvl="0" indent="0" rtl="0">
@@ -15695,7 +16007,7 @@
               <a:buSzPts val="1200"/>
               <a:buNone/>
             </a:pPr>
-            <a:endParaRPr lang="en-US" sz="1200" dirty="0">
+            <a:endParaRPr lang="en-US" dirty="0">
               <a:latin typeface="American Typewriter" panose="02090604020004020304" pitchFamily="18" charset="77"/>
             </a:endParaRPr>
           </a:p>
@@ -15711,7 +16023,7 @@
               <a:buFont typeface="Hanken Grotesk"/>
               <a:buChar char="●"/>
             </a:pPr>
-            <a:endParaRPr lang="en-US" sz="1200" dirty="0">
+            <a:endParaRPr lang="en-US" dirty="0">
               <a:latin typeface="American Typewriter" panose="02090604020004020304" pitchFamily="18" charset="77"/>
             </a:endParaRPr>
           </a:p>
@@ -15728,10 +16040,25 @@
               <a:buChar char="●"/>
             </a:pPr>
             <a:r>
-              <a:rPr lang="en-US" sz="1200" dirty="0">
+              <a:rPr lang="en-US" dirty="0">
                 <a:latin typeface="American Typewriter" panose="02090604020004020304" pitchFamily="18" charset="77"/>
               </a:rPr>
-              <a:t>It closes the loop for stable object manipulation (inform about slip, friction).</a:t>
+              <a:t>It closes the loop for stable </a:t>
+            </a:r>
+            <a:r>
+              <a:rPr lang="en-US" dirty="0">
+                <a:solidFill>
+                  <a:srgbClr val="0070C0"/>
+                </a:solidFill>
+                <a:latin typeface="American Typewriter" panose="02090604020004020304" pitchFamily="18" charset="77"/>
+              </a:rPr>
+              <a:t>object manipulation </a:t>
+            </a:r>
+            <a:r>
+              <a:rPr lang="en-US" dirty="0">
+                <a:latin typeface="American Typewriter" panose="02090604020004020304" pitchFamily="18" charset="77"/>
+              </a:rPr>
+              <a:t>(inform about slip, friction).</a:t>
             </a:r>
           </a:p>
           <a:p>
@@ -15746,7 +16073,7 @@
               <a:buFont typeface="Hanken Grotesk"/>
               <a:buChar char="●"/>
             </a:pPr>
-            <a:endParaRPr lang="en-US" sz="1200" dirty="0">
+            <a:endParaRPr lang="en-US" dirty="0">
               <a:latin typeface="American Typewriter" panose="02090604020004020304" pitchFamily="18" charset="77"/>
             </a:endParaRPr>
           </a:p>
@@ -15762,7 +16089,7 @@
               <a:buFont typeface="Hanken Grotesk"/>
               <a:buChar char="●"/>
             </a:pPr>
-            <a:endParaRPr lang="en-US" sz="1200" dirty="0">
+            <a:endParaRPr lang="en-US" dirty="0">
               <a:latin typeface="American Typewriter" panose="02090604020004020304" pitchFamily="18" charset="77"/>
             </a:endParaRPr>
           </a:p>
@@ -15779,10 +16106,25 @@
               <a:buChar char="●"/>
             </a:pPr>
             <a:r>
-              <a:rPr lang="en-US" sz="1200" dirty="0">
+              <a:rPr lang="en-US" dirty="0">
                 <a:latin typeface="American Typewriter" panose="02090604020004020304" pitchFamily="18" charset="77"/>
               </a:rPr>
-              <a:t>Crucial during active exploration both by humans and robots.</a:t>
+              <a:t>Crucial during </a:t>
+            </a:r>
+            <a:r>
+              <a:rPr lang="en-US" dirty="0">
+                <a:solidFill>
+                  <a:srgbClr val="0070C0"/>
+                </a:solidFill>
+                <a:latin typeface="American Typewriter" panose="02090604020004020304" pitchFamily="18" charset="77"/>
+              </a:rPr>
+              <a:t>active exploration </a:t>
+            </a:r>
+            <a:r>
+              <a:rPr lang="en-US" dirty="0">
+                <a:latin typeface="American Typewriter" panose="02090604020004020304" pitchFamily="18" charset="77"/>
+              </a:rPr>
+              <a:t>both by humans and robots.</a:t>
             </a:r>
           </a:p>
           <a:p>
@@ -15797,7 +16139,7 @@
               <a:buFont typeface="Hanken Grotesk"/>
               <a:buChar char="●"/>
             </a:pPr>
-            <a:endParaRPr lang="en-US" sz="1200" dirty="0">
+            <a:endParaRPr lang="en-US" dirty="0">
               <a:latin typeface="American Typewriter" panose="02090604020004020304" pitchFamily="18" charset="77"/>
             </a:endParaRPr>
           </a:p>
@@ -15813,7 +16155,7 @@
               <a:buFont typeface="Hanken Grotesk"/>
               <a:buChar char="●"/>
             </a:pPr>
-            <a:endParaRPr lang="en-US" sz="1200" dirty="0">
+            <a:endParaRPr lang="en-US" dirty="0">
               <a:latin typeface="American Typewriter" panose="02090604020004020304" pitchFamily="18" charset="77"/>
             </a:endParaRPr>
           </a:p>
@@ -15829,7 +16171,7 @@
               <a:buFont typeface="Hanken Grotesk"/>
               <a:buChar char="●"/>
             </a:pPr>
-            <a:endParaRPr lang="en-US" sz="1200" dirty="0">
+            <a:endParaRPr lang="en-US" dirty="0">
               <a:latin typeface="American Typewriter" panose="02090604020004020304" pitchFamily="18" charset="77"/>
             </a:endParaRPr>
           </a:p>
@@ -15845,7 +16187,7 @@
               <a:buFont typeface="Hanken Grotesk"/>
               <a:buChar char="●"/>
             </a:pPr>
-            <a:endParaRPr lang="en-US" sz="1200" dirty="0">
+            <a:endParaRPr lang="en-US" dirty="0">
               <a:latin typeface="American Typewriter" panose="02090604020004020304" pitchFamily="18" charset="77"/>
             </a:endParaRPr>
           </a:p>
@@ -15861,7 +16203,7 @@
               <a:buFont typeface="Hanken Grotesk"/>
               <a:buChar char="●"/>
             </a:pPr>
-            <a:endParaRPr sz="1200" dirty="0">
+            <a:endParaRPr dirty="0">
               <a:latin typeface="American Typewriter" panose="02090604020004020304" pitchFamily="18" charset="77"/>
             </a:endParaRPr>
           </a:p>
@@ -16018,7 +16360,7 @@
               <a:buFont typeface="Hanken Grotesk"/>
               <a:buChar char="●"/>
             </a:pPr>
-            <a:endParaRPr lang="en-US" sz="1200" dirty="0">
+            <a:endParaRPr lang="en-US" dirty="0">
               <a:latin typeface="American Typewriter" panose="02090604020004020304" pitchFamily="18" charset="77"/>
             </a:endParaRPr>
           </a:p>
@@ -16034,7 +16376,7 @@
               <a:buFont typeface="Hanken Grotesk"/>
               <a:buChar char="●"/>
             </a:pPr>
-            <a:endParaRPr lang="en-US" sz="1200" dirty="0">
+            <a:endParaRPr lang="en-US" dirty="0">
               <a:latin typeface="American Typewriter" panose="02090604020004020304" pitchFamily="18" charset="77"/>
             </a:endParaRPr>
           </a:p>
@@ -16051,10 +16393,25 @@
               <a:buChar char="●"/>
             </a:pPr>
             <a:r>
-              <a:rPr lang="en-US" sz="1200" dirty="0">
+              <a:rPr lang="en-US" dirty="0">
                 <a:latin typeface="American Typewriter" panose="02090604020004020304" pitchFamily="18" charset="77"/>
               </a:rPr>
-              <a:t>Texture is the surface structure felt through skin contact and motion.</a:t>
+              <a:t>Texture is the </a:t>
+            </a:r>
+            <a:r>
+              <a:rPr lang="en-US" dirty="0">
+                <a:solidFill>
+                  <a:srgbClr val="0070C0"/>
+                </a:solidFill>
+                <a:latin typeface="American Typewriter" panose="02090604020004020304" pitchFamily="18" charset="77"/>
+              </a:rPr>
+              <a:t>surface structure </a:t>
+            </a:r>
+            <a:r>
+              <a:rPr lang="en-US" dirty="0">
+                <a:latin typeface="American Typewriter" panose="02090604020004020304" pitchFamily="18" charset="77"/>
+              </a:rPr>
+              <a:t>felt through skin contact and motion.</a:t>
             </a:r>
           </a:p>
           <a:p>
@@ -16069,7 +16426,7 @@
               <a:buFont typeface="Hanken Grotesk"/>
               <a:buChar char="●"/>
             </a:pPr>
-            <a:endParaRPr lang="en-US" sz="1200" dirty="0">
+            <a:endParaRPr lang="en-US" dirty="0">
               <a:latin typeface="American Typewriter" panose="02090604020004020304" pitchFamily="18" charset="77"/>
             </a:endParaRPr>
           </a:p>
@@ -16085,7 +16442,7 @@
               <a:buFont typeface="Hanken Grotesk"/>
               <a:buChar char="●"/>
             </a:pPr>
-            <a:endParaRPr lang="en-US" sz="1200" dirty="0">
+            <a:endParaRPr lang="en-US" dirty="0">
               <a:latin typeface="American Typewriter" panose="02090604020004020304" pitchFamily="18" charset="77"/>
             </a:endParaRPr>
           </a:p>
@@ -16102,23 +16459,44 @@
               <a:buChar char="●"/>
             </a:pPr>
             <a:r>
-              <a:rPr lang="en-US" sz="1200" dirty="0">
+              <a:rPr lang="en-US" dirty="0">
                 <a:latin typeface="American Typewriter" panose="02090604020004020304" pitchFamily="18" charset="77"/>
               </a:rPr>
               <a:t>It appears as </a:t>
             </a:r>
             <a:r>
-              <a:rPr lang="en-US" sz="1200" dirty="0" err="1">
+              <a:rPr lang="en-US" dirty="0" err="1">
+                <a:solidFill>
+                  <a:srgbClr val="0070C0"/>
+                </a:solidFill>
                 <a:latin typeface="American Typewriter" panose="02090604020004020304" pitchFamily="18" charset="77"/>
               </a:rPr>
               <a:t>spatio</a:t>
             </a:r>
             <a:r>
-              <a:rPr lang="en-US" sz="1200" dirty="0">
+              <a:rPr lang="en-US" dirty="0">
+                <a:solidFill>
+                  <a:srgbClr val="0070C0"/>
+                </a:solidFill>
                 <a:latin typeface="American Typewriter" panose="02090604020004020304" pitchFamily="18" charset="77"/>
               </a:rPr>
-              <a:t>-temporal patterns + vibrations</a:t>
+              <a:t>-temporal patterns </a:t>
             </a:r>
+            <a:r>
+              <a:rPr lang="en-US" dirty="0">
+                <a:latin typeface="American Typewriter" panose="02090604020004020304" pitchFamily="18" charset="77"/>
+              </a:rPr>
+              <a:t>+ </a:t>
+            </a:r>
+            <a:r>
+              <a:rPr lang="en-US" dirty="0">
+                <a:solidFill>
+                  <a:srgbClr val="0070C0"/>
+                </a:solidFill>
+                <a:latin typeface="American Typewriter" panose="02090604020004020304" pitchFamily="18" charset="77"/>
+              </a:rPr>
+              <a:t>vibrations</a:t>
+            </a:r>
           </a:p>
           <a:p>
             <a:pPr marL="0" lvl="0" indent="0" rtl="0">
@@ -16131,7 +16509,7 @@
               <a:buSzPts val="1200"/>
               <a:buNone/>
             </a:pPr>
-            <a:endParaRPr lang="en-US" sz="1200" dirty="0">
+            <a:endParaRPr lang="en-US" dirty="0">
               <a:latin typeface="American Typewriter" panose="02090604020004020304" pitchFamily="18" charset="77"/>
             </a:endParaRPr>
           </a:p>
@@ -16147,7 +16525,7 @@
               <a:buFont typeface="Hanken Grotesk"/>
               <a:buChar char="●"/>
             </a:pPr>
-            <a:endParaRPr lang="en-US" sz="1200" dirty="0">
+            <a:endParaRPr lang="en-US" dirty="0">
               <a:latin typeface="American Typewriter" panose="02090604020004020304" pitchFamily="18" charset="77"/>
             </a:endParaRPr>
           </a:p>
@@ -16164,10 +16542,25 @@
               <a:buChar char="●"/>
             </a:pPr>
             <a:r>
-              <a:rPr lang="en-US" sz="1200" dirty="0">
+              <a:rPr lang="en-US" dirty="0">
                 <a:latin typeface="American Typewriter" panose="02090604020004020304" pitchFamily="18" charset="77"/>
               </a:rPr>
-              <a:t>Perception depends on exploration parameters: speed, force, direction.</a:t>
+              <a:t>Perception depends on exploration parameters: </a:t>
+            </a:r>
+            <a:r>
+              <a:rPr lang="en-US" dirty="0">
+                <a:solidFill>
+                  <a:srgbClr val="0070C0"/>
+                </a:solidFill>
+                <a:latin typeface="American Typewriter" panose="02090604020004020304" pitchFamily="18" charset="77"/>
+              </a:rPr>
+              <a:t>speed, force, direction</a:t>
+            </a:r>
+            <a:r>
+              <a:rPr lang="en-US" dirty="0">
+                <a:latin typeface="American Typewriter" panose="02090604020004020304" pitchFamily="18" charset="77"/>
+              </a:rPr>
+              <a:t>.</a:t>
             </a:r>
           </a:p>
           <a:p>
@@ -16182,7 +16575,7 @@
               <a:buFont typeface="Hanken Grotesk"/>
               <a:buChar char="●"/>
             </a:pPr>
-            <a:endParaRPr lang="en-US" sz="1200" dirty="0">
+            <a:endParaRPr lang="en-US" dirty="0">
               <a:latin typeface="American Typewriter" panose="02090604020004020304" pitchFamily="18" charset="77"/>
             </a:endParaRPr>
           </a:p>
@@ -16198,7 +16591,7 @@
               <a:buFont typeface="Hanken Grotesk"/>
               <a:buChar char="●"/>
             </a:pPr>
-            <a:endParaRPr lang="en-US" sz="1200" dirty="0">
+            <a:endParaRPr lang="en-US" dirty="0">
               <a:latin typeface="American Typewriter" panose="02090604020004020304" pitchFamily="18" charset="77"/>
             </a:endParaRPr>
           </a:p>
@@ -16214,7 +16607,7 @@
               <a:buFont typeface="Hanken Grotesk"/>
               <a:buChar char="●"/>
             </a:pPr>
-            <a:endParaRPr lang="en-US" sz="1200" dirty="0">
+            <a:endParaRPr lang="en-US" dirty="0">
               <a:latin typeface="American Typewriter" panose="02090604020004020304" pitchFamily="18" charset="77"/>
             </a:endParaRPr>
           </a:p>
@@ -16230,7 +16623,7 @@
               <a:buFont typeface="Hanken Grotesk"/>
               <a:buChar char="●"/>
             </a:pPr>
-            <a:endParaRPr sz="1200" dirty="0">
+            <a:endParaRPr dirty="0">
               <a:latin typeface="American Typewriter" panose="02090604020004020304" pitchFamily="18" charset="77"/>
             </a:endParaRPr>
           </a:p>
@@ -16522,7 +16915,7 @@
             <a:pPr marL="0" indent="0">
               <a:buNone/>
             </a:pPr>
-            <a:endParaRPr lang="en-US" sz="1200" dirty="0">
+            <a:endParaRPr lang="en-US" dirty="0">
               <a:latin typeface="American Typewriter" panose="02090604020004020304" pitchFamily="18" charset="77"/>
             </a:endParaRPr>
           </a:p>
@@ -16530,7 +16923,7 @@
             <a:pPr marL="0" indent="0">
               <a:buNone/>
             </a:pPr>
-            <a:endParaRPr lang="en-US" sz="1200" dirty="0">
+            <a:endParaRPr lang="en-US" dirty="0">
               <a:latin typeface="American Typewriter" panose="02090604020004020304" pitchFamily="18" charset="77"/>
             </a:endParaRPr>
           </a:p>
@@ -16538,7 +16931,7 @@
             <a:pPr marL="0" indent="0">
               <a:buNone/>
             </a:pPr>
-            <a:endParaRPr lang="en-US" sz="1200" dirty="0">
+            <a:endParaRPr lang="en-US" dirty="0">
               <a:latin typeface="American Typewriter" panose="02090604020004020304" pitchFamily="18" charset="77"/>
             </a:endParaRPr>
           </a:p>
@@ -16547,13 +16940,13 @@
               <a:buNone/>
             </a:pPr>
             <a:r>
-              <a:rPr lang="en-US" sz="1200" dirty="0">
+              <a:rPr lang="en-US" dirty="0">
                 <a:latin typeface="American Typewriter" panose="02090604020004020304" pitchFamily="18" charset="77"/>
               </a:rPr>
               <a:t>• Tactile Sensors are sampled </a:t>
             </a:r>
             <a:r>
-              <a:rPr lang="en-US" sz="1200" dirty="0">
+              <a:rPr lang="en-US" dirty="0">
                 <a:solidFill>
                   <a:srgbClr val="0070C0"/>
                 </a:solidFill>
@@ -16562,7 +16955,7 @@
               <a:t>continuously at fixed rate</a:t>
             </a:r>
             <a:r>
-              <a:rPr lang="en-US" sz="1200" dirty="0">
+              <a:rPr lang="en-US" dirty="0">
                 <a:latin typeface="American Typewriter" panose="02090604020004020304" pitchFamily="18" charset="77"/>
               </a:rPr>
               <a:t>.</a:t>
@@ -16572,7 +16965,7 @@
             <a:pPr marL="0" indent="0">
               <a:buNone/>
             </a:pPr>
-            <a:endParaRPr lang="en-US" sz="1200" dirty="0">
+            <a:endParaRPr lang="en-US" dirty="0">
               <a:latin typeface="American Typewriter" panose="02090604020004020304" pitchFamily="18" charset="77"/>
             </a:endParaRPr>
           </a:p>
@@ -16581,13 +16974,13 @@
               <a:buNone/>
             </a:pPr>
             <a:r>
-              <a:rPr lang="en-US" sz="1200" dirty="0">
+              <a:rPr lang="en-US" dirty="0">
                 <a:latin typeface="American Typewriter" panose="02090604020004020304" pitchFamily="18" charset="77"/>
               </a:rPr>
               <a:t>• Raw signals form </a:t>
             </a:r>
             <a:r>
-              <a:rPr lang="en-US" sz="1200" dirty="0">
+              <a:rPr lang="en-US" dirty="0">
                 <a:solidFill>
                   <a:srgbClr val="0070C0"/>
                 </a:solidFill>
@@ -16596,7 +16989,7 @@
               <a:t>frames</a:t>
             </a:r>
             <a:r>
-              <a:rPr lang="en-US" sz="1200" dirty="0">
+              <a:rPr lang="en-US" dirty="0">
                 <a:latin typeface="American Typewriter" panose="02090604020004020304" pitchFamily="18" charset="77"/>
               </a:rPr>
               <a:t>.</a:t>
@@ -16606,7 +16999,7 @@
             <a:pPr marL="0" indent="0">
               <a:buNone/>
             </a:pPr>
-            <a:endParaRPr lang="en-US" sz="1200" dirty="0">
+            <a:endParaRPr lang="en-US" dirty="0">
               <a:latin typeface="American Typewriter" panose="02090604020004020304" pitchFamily="18" charset="77"/>
             </a:endParaRPr>
           </a:p>
@@ -16615,7 +17008,7 @@
               <a:buNone/>
             </a:pPr>
             <a:r>
-              <a:rPr lang="en-US" sz="1200" dirty="0">
+              <a:rPr lang="en-US" dirty="0">
                 <a:latin typeface="American Typewriter" panose="02090604020004020304" pitchFamily="18" charset="77"/>
               </a:rPr>
               <a:t>• Features are computed in time, frequency, or space.</a:t>
@@ -16625,7 +17018,7 @@
             <a:pPr marL="0" indent="0">
               <a:buNone/>
             </a:pPr>
-            <a:endParaRPr lang="en-US" sz="1200" dirty="0">
+            <a:endParaRPr lang="en-US" dirty="0">
               <a:latin typeface="American Typewriter" panose="02090604020004020304" pitchFamily="18" charset="77"/>
             </a:endParaRPr>
           </a:p>
@@ -16634,13 +17027,13 @@
               <a:buNone/>
             </a:pPr>
             <a:r>
-              <a:rPr lang="en-US" sz="1200" dirty="0">
+              <a:rPr lang="en-US" dirty="0">
                 <a:latin typeface="American Typewriter" panose="02090604020004020304" pitchFamily="18" charset="77"/>
               </a:rPr>
               <a:t>• A </a:t>
             </a:r>
             <a:r>
-              <a:rPr lang="en-US" sz="1200" dirty="0">
+              <a:rPr lang="en-US" dirty="0">
                 <a:solidFill>
                   <a:srgbClr val="0070C0"/>
                 </a:solidFill>
@@ -16649,7 +17042,7 @@
               <a:t>classifier</a:t>
             </a:r>
             <a:r>
-              <a:rPr lang="en-US" sz="1200" dirty="0">
+              <a:rPr lang="en-US" dirty="0">
                 <a:latin typeface="American Typewriter" panose="02090604020004020304" pitchFamily="18" charset="77"/>
               </a:rPr>
               <a:t> predicts texture from those features.</a:t>
@@ -16659,7 +17052,7 @@
             <a:pPr marL="0" indent="0">
               <a:buNone/>
             </a:pPr>
-            <a:endParaRPr lang="en-US" sz="1200" dirty="0">
+            <a:endParaRPr lang="en-US" dirty="0">
               <a:latin typeface="American Typewriter" panose="02090604020004020304" pitchFamily="18" charset="77"/>
             </a:endParaRPr>
           </a:p>
@@ -16668,13 +17061,13 @@
               <a:buNone/>
             </a:pPr>
             <a:r>
-              <a:rPr lang="en-US" sz="1200" dirty="0">
+              <a:rPr lang="en-US" dirty="0">
                 <a:latin typeface="American Typewriter" panose="02090604020004020304" pitchFamily="18" charset="77"/>
               </a:rPr>
               <a:t>• Training is usually </a:t>
             </a:r>
             <a:r>
-              <a:rPr lang="en-US" sz="1200" dirty="0">
+              <a:rPr lang="en-US" dirty="0">
                 <a:solidFill>
                   <a:srgbClr val="0070C0"/>
                 </a:solidFill>
@@ -16683,7 +17076,7 @@
               <a:t>offline on large datasets</a:t>
             </a:r>
             <a:r>
-              <a:rPr lang="en-US" sz="1200" dirty="0">
+              <a:rPr lang="en-US" dirty="0">
                 <a:latin typeface="American Typewriter" panose="02090604020004020304" pitchFamily="18" charset="77"/>
               </a:rPr>
               <a:t>.</a:t>
@@ -16693,7 +17086,7 @@
             <a:pPr marL="0" indent="0">
               <a:buNone/>
             </a:pPr>
-            <a:endParaRPr lang="en-US" sz="1200" dirty="0">
+            <a:endParaRPr lang="en-US" dirty="0">
               <a:latin typeface="American Typewriter" panose="02090604020004020304" pitchFamily="18" charset="77"/>
             </a:endParaRPr>
           </a:p>
@@ -16848,7 +17241,7 @@
               <a:buSzPts val="1200"/>
               <a:buNone/>
             </a:pPr>
-            <a:endParaRPr lang="en-US" sz="1200" dirty="0">
+            <a:endParaRPr lang="en-US" dirty="0">
               <a:latin typeface="American Typewriter" panose="02090604020004020304" pitchFamily="18" charset="77"/>
             </a:endParaRPr>
           </a:p>
@@ -16863,7 +17256,7 @@
               <a:buSzPts val="1200"/>
               <a:buNone/>
             </a:pPr>
-            <a:endParaRPr lang="en-US" sz="1200" dirty="0">
+            <a:endParaRPr lang="en-US" dirty="0">
               <a:latin typeface="American Typewriter" panose="02090604020004020304" pitchFamily="18" charset="77"/>
             </a:endParaRPr>
           </a:p>
@@ -16879,13 +17272,13 @@
               <a:buNone/>
             </a:pPr>
             <a:r>
-              <a:rPr lang="en-US" sz="1200" dirty="0">
+              <a:rPr lang="en-US" dirty="0">
                 <a:latin typeface="American Typewriter" panose="02090604020004020304" pitchFamily="18" charset="77"/>
               </a:rPr>
               <a:t>Results in </a:t>
             </a:r>
             <a:r>
-              <a:rPr lang="en-US" sz="1200" dirty="0">
+              <a:rPr lang="en-US" dirty="0">
                 <a:solidFill>
                   <a:srgbClr val="0070C0"/>
                 </a:solidFill>
@@ -16894,7 +17287,7 @@
               <a:t>high power consumption</a:t>
             </a:r>
             <a:r>
-              <a:rPr lang="en-US" sz="1200" dirty="0">
+              <a:rPr lang="en-US" dirty="0">
                 <a:latin typeface="American Typewriter" panose="02090604020004020304" pitchFamily="18" charset="77"/>
               </a:rPr>
               <a:t>.</a:t>
@@ -16911,7 +17304,7 @@
               <a:buSzPts val="1200"/>
               <a:buNone/>
             </a:pPr>
-            <a:endParaRPr lang="en-US" sz="1200" dirty="0">
+            <a:endParaRPr lang="en-US" dirty="0">
               <a:latin typeface="American Typewriter" panose="02090604020004020304" pitchFamily="18" charset="77"/>
             </a:endParaRPr>
           </a:p>
@@ -16926,7 +17319,7 @@
               <a:buSzPts val="1200"/>
               <a:buNone/>
             </a:pPr>
-            <a:endParaRPr lang="en-US" sz="1200" dirty="0">
+            <a:endParaRPr lang="en-US" dirty="0">
               <a:latin typeface="American Typewriter" panose="02090604020004020304" pitchFamily="18" charset="77"/>
             </a:endParaRPr>
           </a:p>
@@ -16942,7 +17335,7 @@
               <a:buNone/>
             </a:pPr>
             <a:r>
-              <a:rPr lang="en-US" sz="1200" dirty="0">
+              <a:rPr lang="en-US" dirty="0">
                 <a:solidFill>
                   <a:srgbClr val="0070C0"/>
                 </a:solidFill>
@@ -16951,7 +17344,7 @@
               <a:t>Centralized processing models </a:t>
             </a:r>
             <a:r>
-              <a:rPr lang="en-US" sz="1200" dirty="0">
+              <a:rPr lang="en-US" dirty="0">
                 <a:latin typeface="American Typewriter" panose="02090604020004020304" pitchFamily="18" charset="77"/>
               </a:rPr>
               <a:t>→ limit scalability and are not energy-efficient.</a:t>
@@ -16968,7 +17361,7 @@
               <a:buSzPts val="1200"/>
               <a:buNone/>
             </a:pPr>
-            <a:endParaRPr lang="en-US" sz="1200" dirty="0">
+            <a:endParaRPr lang="en-US" dirty="0">
               <a:latin typeface="American Typewriter" panose="02090604020004020304" pitchFamily="18" charset="77"/>
             </a:endParaRPr>
           </a:p>
@@ -16990,7 +17383,7 @@
               <a:buNone/>
             </a:pPr>
             <a:r>
-              <a:rPr lang="en-US" sz="1200" dirty="0">
+              <a:rPr lang="en-US" dirty="0">
                 <a:solidFill>
                   <a:srgbClr val="0070C0"/>
                 </a:solidFill>
@@ -16999,7 +17392,7 @@
               <a:t>Lack of biological selectivity</a:t>
             </a:r>
             <a:r>
-              <a:rPr lang="en-US" sz="1200" dirty="0">
+              <a:rPr lang="en-US" dirty="0">
                 <a:latin typeface="American Typewriter" panose="02090604020004020304" pitchFamily="18" charset="77"/>
               </a:rPr>
               <a:t>:</a:t>
@@ -17008,13 +17401,13 @@
           <a:p>
             <a:pPr marL="628650" lvl="1" indent="-171450" algn="l"/>
             <a:r>
-              <a:rPr lang="en-US" sz="1200" dirty="0">
+              <a:rPr lang="en-US" sz="1400" dirty="0">
                 <a:latin typeface="American Typewriter" panose="02090604020004020304" pitchFamily="18" charset="77"/>
               </a:rPr>
               <a:t>Most systems do not distinguish </a:t>
             </a:r>
             <a:r>
-              <a:rPr lang="en-US" sz="1200" dirty="0">
+              <a:rPr lang="en-US" sz="1400" dirty="0">
                 <a:solidFill>
                   <a:srgbClr val="0070C0"/>
                 </a:solidFill>
@@ -17023,13 +17416,13 @@
               <a:t>dynamic</a:t>
             </a:r>
             <a:r>
-              <a:rPr lang="en-US" sz="1200" dirty="0">
+              <a:rPr lang="en-US" sz="1400" dirty="0">
                 <a:latin typeface="American Typewriter" panose="02090604020004020304" pitchFamily="18" charset="77"/>
               </a:rPr>
               <a:t> (fast) and </a:t>
             </a:r>
             <a:r>
-              <a:rPr lang="en-US" sz="1200" dirty="0">
+              <a:rPr lang="en-US" sz="1400" dirty="0">
                 <a:solidFill>
                   <a:srgbClr val="0070C0"/>
                 </a:solidFill>
@@ -17038,7 +17431,7 @@
               <a:t>static</a:t>
             </a:r>
             <a:r>
-              <a:rPr lang="en-US" sz="1200" dirty="0">
+              <a:rPr lang="en-US" sz="1400" dirty="0">
                 <a:latin typeface="American Typewriter" panose="02090604020004020304" pitchFamily="18" charset="77"/>
               </a:rPr>
               <a:t> (slow) touch signals.</a:t>
@@ -17046,13 +17439,13 @@
           </a:p>
           <a:p>
             <a:pPr marL="628650" lvl="1" indent="-171450" algn="l"/>
-            <a:endParaRPr lang="en-US" sz="1200" dirty="0">
+            <a:endParaRPr lang="en-US" sz="1400" dirty="0">
               <a:latin typeface="American Typewriter" panose="02090604020004020304" pitchFamily="18" charset="77"/>
             </a:endParaRPr>
           </a:p>
           <a:p>
             <a:pPr marL="628650" lvl="1" indent="-171450" algn="l"/>
-            <a:endParaRPr lang="en-US" sz="1200" dirty="0">
+            <a:endParaRPr lang="en-US" sz="1400" dirty="0">
               <a:latin typeface="American Typewriter" panose="02090604020004020304" pitchFamily="18" charset="77"/>
             </a:endParaRPr>
           </a:p>
@@ -17061,13 +17454,13 @@
               <a:buNone/>
             </a:pPr>
             <a:r>
-              <a:rPr lang="en-US" sz="1200" dirty="0">
+              <a:rPr lang="en-US" dirty="0">
                 <a:latin typeface="American Typewriter" panose="02090604020004020304" pitchFamily="18" charset="77"/>
               </a:rPr>
               <a:t>Current solutions </a:t>
             </a:r>
             <a:r>
-              <a:rPr lang="en-US" sz="1200" dirty="0">
+              <a:rPr lang="en-US" dirty="0">
                 <a:solidFill>
                   <a:schemeClr val="bg1">
                     <a:lumMod val="10000"/>
@@ -17078,7 +17471,7 @@
               <a:t>transmit raw data with </a:t>
             </a:r>
             <a:r>
-              <a:rPr lang="en-US" sz="1200" dirty="0">
+              <a:rPr lang="en-US" dirty="0">
                 <a:solidFill>
                   <a:srgbClr val="0070C0"/>
                 </a:solidFill>
@@ -17086,7 +17479,7 @@
               </a:rPr>
               <a:t>minimal preprocessing.</a:t>
             </a:r>
-            <a:endParaRPr lang="en-US" sz="1200" dirty="0">
+            <a:endParaRPr lang="en-US" dirty="0">
               <a:latin typeface="American Typewriter" panose="02090604020004020304" pitchFamily="18" charset="77"/>
             </a:endParaRPr>
           </a:p>
@@ -17094,7 +17487,7 @@
             <a:pPr marL="0" indent="0">
               <a:buNone/>
             </a:pPr>
-            <a:endParaRPr lang="en-US" sz="1200" dirty="0">
+            <a:endParaRPr lang="en-US" dirty="0">
               <a:latin typeface="American Typewriter" panose="02090604020004020304" pitchFamily="18" charset="77"/>
             </a:endParaRPr>
           </a:p>
@@ -17102,7 +17495,7 @@
             <a:pPr marL="0" indent="0">
               <a:buNone/>
             </a:pPr>
-            <a:endParaRPr lang="en-US" sz="1200" dirty="0">
+            <a:endParaRPr lang="en-US" dirty="0">
               <a:latin typeface="American Typewriter" panose="02090604020004020304" pitchFamily="18" charset="77"/>
             </a:endParaRPr>
           </a:p>
@@ -17405,7 +17798,7 @@
               <a:buFont typeface="Hanken Grotesk"/>
               <a:buChar char="●"/>
             </a:pPr>
-            <a:endParaRPr lang="en-US" sz="1200" dirty="0">
+            <a:endParaRPr lang="en-US" dirty="0">
               <a:latin typeface="American Typewriter" panose="02090604020004020304" pitchFamily="18" charset="77"/>
             </a:endParaRPr>
           </a:p>
@@ -17421,7 +17814,7 @@
               <a:buFont typeface="Hanken Grotesk"/>
               <a:buChar char="●"/>
             </a:pPr>
-            <a:endParaRPr lang="en-US" sz="1200" dirty="0">
+            <a:endParaRPr lang="en-US" dirty="0">
               <a:latin typeface="American Typewriter" panose="02090604020004020304" pitchFamily="18" charset="77"/>
             </a:endParaRPr>
           </a:p>
@@ -17438,13 +17831,13 @@
               <a:buChar char="●"/>
             </a:pPr>
             <a:r>
-              <a:rPr lang="en-US" sz="1200" dirty="0">
+              <a:rPr lang="en-US" dirty="0">
                 <a:latin typeface="American Typewriter" panose="02090604020004020304" pitchFamily="18" charset="77"/>
               </a:rPr>
               <a:t>Texture signals are </a:t>
             </a:r>
             <a:r>
-              <a:rPr lang="en-US" sz="1200" dirty="0">
+              <a:rPr lang="en-US" dirty="0">
                 <a:solidFill>
                   <a:srgbClr val="0070C0"/>
                 </a:solidFill>
@@ -17453,7 +17846,7 @@
               <a:t>sparse bursts</a:t>
             </a:r>
             <a:r>
-              <a:rPr lang="en-US" sz="1200" dirty="0">
+              <a:rPr lang="en-US" dirty="0">
                 <a:latin typeface="American Typewriter" panose="02090604020004020304" pitchFamily="18" charset="77"/>
               </a:rPr>
               <a:t>, not continuous changes.</a:t>
@@ -17471,7 +17864,7 @@
               <a:buFont typeface="Hanken Grotesk"/>
               <a:buChar char="●"/>
             </a:pPr>
-            <a:endParaRPr lang="en-US" sz="1200" dirty="0">
+            <a:endParaRPr lang="en-US" dirty="0">
               <a:latin typeface="American Typewriter" panose="02090604020004020304" pitchFamily="18" charset="77"/>
             </a:endParaRPr>
           </a:p>
@@ -17487,7 +17880,7 @@
               <a:buFont typeface="Hanken Grotesk"/>
               <a:buChar char="●"/>
             </a:pPr>
-            <a:endParaRPr lang="en-US" sz="1200" dirty="0">
+            <a:endParaRPr lang="en-US" dirty="0">
               <a:latin typeface="American Typewriter" panose="02090604020004020304" pitchFamily="18" charset="77"/>
             </a:endParaRPr>
           </a:p>
@@ -17504,13 +17897,13 @@
               <a:buChar char="●"/>
             </a:pPr>
             <a:r>
-              <a:rPr lang="en-US" sz="1200" dirty="0">
+              <a:rPr lang="en-US" dirty="0">
                 <a:latin typeface="American Typewriter" panose="02090604020004020304" pitchFamily="18" charset="77"/>
               </a:rPr>
               <a:t>Spikes capture micro events with </a:t>
             </a:r>
             <a:r>
-              <a:rPr lang="en-US" sz="1200" dirty="0">
+              <a:rPr lang="en-US" dirty="0">
                 <a:solidFill>
                   <a:srgbClr val="0070C0"/>
                 </a:solidFill>
@@ -17519,7 +17912,7 @@
               <a:t>high timing precision</a:t>
             </a:r>
             <a:r>
-              <a:rPr lang="en-US" sz="1200" dirty="0">
+              <a:rPr lang="en-US" dirty="0">
                 <a:latin typeface="American Typewriter" panose="02090604020004020304" pitchFamily="18" charset="77"/>
               </a:rPr>
               <a:t>.</a:t>
@@ -17537,7 +17930,7 @@
               <a:buFont typeface="Hanken Grotesk"/>
               <a:buChar char="●"/>
             </a:pPr>
-            <a:endParaRPr lang="en-US" sz="1200" dirty="0">
+            <a:endParaRPr lang="en-US" dirty="0">
               <a:latin typeface="American Typewriter" panose="02090604020004020304" pitchFamily="18" charset="77"/>
             </a:endParaRPr>
           </a:p>
@@ -17553,7 +17946,7 @@
               <a:buFont typeface="Hanken Grotesk"/>
               <a:buChar char="●"/>
             </a:pPr>
-            <a:endParaRPr lang="en-US" sz="1200" dirty="0">
+            <a:endParaRPr lang="en-US" dirty="0">
               <a:latin typeface="American Typewriter" panose="02090604020004020304" pitchFamily="18" charset="77"/>
             </a:endParaRPr>
           </a:p>
@@ -17570,13 +17963,13 @@
               <a:buChar char="●"/>
             </a:pPr>
             <a:r>
-              <a:rPr lang="en-US" sz="1200" dirty="0">
+              <a:rPr lang="en-US" dirty="0">
                 <a:latin typeface="American Typewriter" panose="02090604020004020304" pitchFamily="18" charset="77"/>
               </a:rPr>
               <a:t>Event encoding </a:t>
             </a:r>
             <a:r>
-              <a:rPr lang="en-US" sz="1200" dirty="0">
+              <a:rPr lang="en-US" dirty="0">
                 <a:solidFill>
                   <a:srgbClr val="0070C0"/>
                 </a:solidFill>
@@ -17585,7 +17978,7 @@
               <a:t>cuts bandwidth and power </a:t>
             </a:r>
             <a:r>
-              <a:rPr lang="en-US" sz="1200" dirty="0">
+              <a:rPr lang="en-US" dirty="0">
                 <a:latin typeface="American Typewriter" panose="02090604020004020304" pitchFamily="18" charset="77"/>
               </a:rPr>
               <a:t>for large skins.</a:t>
@@ -17603,7 +17996,7 @@
               <a:buFont typeface="Hanken Grotesk"/>
               <a:buChar char="●"/>
             </a:pPr>
-            <a:endParaRPr lang="en-US" sz="1200" dirty="0">
+            <a:endParaRPr lang="en-US" dirty="0">
               <a:latin typeface="American Typewriter" panose="02090604020004020304" pitchFamily="18" charset="77"/>
             </a:endParaRPr>
           </a:p>
@@ -17619,7 +18012,7 @@
               <a:buFont typeface="Hanken Grotesk"/>
               <a:buChar char="●"/>
             </a:pPr>
-            <a:endParaRPr lang="en-US" sz="1200" dirty="0">
+            <a:endParaRPr lang="en-US" dirty="0">
               <a:latin typeface="American Typewriter" panose="02090604020004020304" pitchFamily="18" charset="77"/>
             </a:endParaRPr>
           </a:p>
@@ -17636,7 +18029,7 @@
               <a:buChar char="●"/>
             </a:pPr>
             <a:r>
-              <a:rPr lang="en-US" sz="1200" dirty="0">
+              <a:rPr lang="en-US" dirty="0">
                 <a:latin typeface="American Typewriter" panose="02090604020004020304" pitchFamily="18" charset="77"/>
               </a:rPr>
               <a:t>Can make use of neuromorphic back-ends for learning (SNNs, neuromorphic hardware)</a:t>
@@ -17654,7 +18047,7 @@
               <a:buFont typeface="Hanken Grotesk"/>
               <a:buChar char="●"/>
             </a:pPr>
-            <a:endParaRPr lang="en-US" sz="1200" dirty="0">
+            <a:endParaRPr lang="en-US" dirty="0">
               <a:latin typeface="American Typewriter" panose="02090604020004020304" pitchFamily="18" charset="77"/>
             </a:endParaRPr>
           </a:p>
@@ -17670,7 +18063,7 @@
               <a:buFont typeface="Hanken Grotesk"/>
               <a:buChar char="●"/>
             </a:pPr>
-            <a:endParaRPr lang="en-US" sz="1200" dirty="0">
+            <a:endParaRPr lang="en-US" dirty="0">
               <a:latin typeface="American Typewriter" panose="02090604020004020304" pitchFamily="18" charset="77"/>
             </a:endParaRPr>
           </a:p>
@@ -17686,7 +18079,7 @@
               <a:buFont typeface="Hanken Grotesk"/>
               <a:buChar char="●"/>
             </a:pPr>
-            <a:endParaRPr sz="1200" dirty="0">
+            <a:endParaRPr dirty="0">
               <a:latin typeface="American Typewriter" panose="02090604020004020304" pitchFamily="18" charset="77"/>
             </a:endParaRPr>
           </a:p>
